--- a/w1_NodeJS/doc/三阶段内容与学习目标.pptx
+++ b/w1_NodeJS/doc/三阶段内容与学习目标.pptx
@@ -6500,7 +6500,7 @@
           </a:pPr>
           <a:r>
             <a:rPr lang="zh-CN" altLang="en-US" b="0" i="0" dirty="0"/>
-            <a:t>拼搏到无能为力、坚持到感动自己</a:t>
+            <a:t>拼搏到无能为力、坚持到感动自己（关于留级）</a:t>
           </a:r>
         </a:p>
       </dgm:t>
@@ -9414,7 +9414,7 @@
           </a:pPr>
           <a:r>
             <a:rPr lang="zh-CN" altLang="en-US" sz="1300" b="0" i="0" kern="1200" dirty="0"/>
-            <a:t>拼搏到无能为力、坚持到感动自己</a:t>
+            <a:t>拼搏到无能为力、坚持到感动自己（关于留级）</a:t>
           </a:r>
         </a:p>
       </dsp:txBody>
@@ -15082,7 +15082,7 @@
           <a:p>
             <a:fld id="{FB3ACE8D-9725-48ED-B85F-EE85A097F542}" type="datetimeFigureOut">
               <a:rPr lang="zh-CN" altLang="en-US" smtClean="0"/>
-              <a:t>2019/6/14</a:t>
+              <a:t>2019/6/17</a:t>
             </a:fld>
             <a:endParaRPr lang="zh-CN" altLang="en-US"/>
           </a:p>
@@ -19425,7 +19425,7 @@
           <p:nvPr>
             <p:extLst>
               <p:ext uri="{D42A27DB-BD31-4B8C-83A1-F6EECF244321}">
-                <p14:modId xmlns:p14="http://schemas.microsoft.com/office/powerpoint/2010/main" val="147239386"/>
+                <p14:modId xmlns:p14="http://schemas.microsoft.com/office/powerpoint/2010/main" val="3162815832"/>
               </p:ext>
             </p:extLst>
           </p:nvPr>

--- a/w1_NodeJS/doc/三阶段内容与学习目标.pptx
+++ b/w1_NodeJS/doc/三阶段内容与学习目标.pptx
@@ -231,44 +231,47 @@
           </c:dLbls>
           <c:cat>
             <c:numRef>
-              <c:f>Sheet1!$A$2:$A$13</c:f>
+              <c:f>Sheet1!$A$2:$A$14</c:f>
               <c:numCache>
                 <c:formatCode>General</c:formatCode>
-                <c:ptCount val="12"/>
+                <c:ptCount val="13"/>
                 <c:pt idx="0">
+                  <c:v>1901</c:v>
+                </c:pt>
+                <c:pt idx="1">
                   <c:v>1812</c:v>
                 </c:pt>
-                <c:pt idx="1">
+                <c:pt idx="2">
                   <c:v>1811</c:v>
                 </c:pt>
-                <c:pt idx="2">
+                <c:pt idx="3">
                   <c:v>1810</c:v>
                 </c:pt>
-                <c:pt idx="3">
+                <c:pt idx="4">
                   <c:v>1809</c:v>
                 </c:pt>
-                <c:pt idx="4">
+                <c:pt idx="5">
                   <c:v>1808</c:v>
                 </c:pt>
-                <c:pt idx="5">
+                <c:pt idx="6">
                   <c:v>1807</c:v>
                 </c:pt>
-                <c:pt idx="6">
+                <c:pt idx="7">
                   <c:v>1806</c:v>
                 </c:pt>
-                <c:pt idx="7">
+                <c:pt idx="8">
                   <c:v>1805</c:v>
                 </c:pt>
-                <c:pt idx="8">
+                <c:pt idx="9">
                   <c:v>1804</c:v>
                 </c:pt>
-                <c:pt idx="9">
+                <c:pt idx="10">
                   <c:v>1803</c:v>
                 </c:pt>
-                <c:pt idx="10">
+                <c:pt idx="11">
                   <c:v>1802</c:v>
                 </c:pt>
-                <c:pt idx="11">
+                <c:pt idx="12">
                   <c:v>1801</c:v>
                 </c:pt>
               </c:numCache>
@@ -276,44 +279,47 @@
           </c:cat>
           <c:val>
             <c:numRef>
-              <c:f>Sheet1!$B$2:$B$13</c:f>
+              <c:f>Sheet1!$B$2:$B$14</c:f>
               <c:numCache>
                 <c:formatCode>General</c:formatCode>
-                <c:ptCount val="12"/>
+                <c:ptCount val="13"/>
                 <c:pt idx="0">
+                  <c:v>12568.8</c:v>
+                </c:pt>
+                <c:pt idx="1">
                   <c:v>10187.5</c:v>
                 </c:pt>
-                <c:pt idx="1">
+                <c:pt idx="2">
                   <c:v>10954.5</c:v>
                 </c:pt>
-                <c:pt idx="2">
+                <c:pt idx="3">
                   <c:v>9477.1</c:v>
                 </c:pt>
-                <c:pt idx="3">
+                <c:pt idx="4">
                   <c:v>10151.299999999999</c:v>
                 </c:pt>
-                <c:pt idx="4">
+                <c:pt idx="5">
                   <c:v>9913</c:v>
                 </c:pt>
-                <c:pt idx="5">
+                <c:pt idx="6">
                   <c:v>10029.299999999999</c:v>
                 </c:pt>
-                <c:pt idx="6">
+                <c:pt idx="7">
                   <c:v>12116.7</c:v>
                 </c:pt>
-                <c:pt idx="7">
+                <c:pt idx="8">
                   <c:v>9227.2999999999993</c:v>
                 </c:pt>
-                <c:pt idx="8">
+                <c:pt idx="9">
                   <c:v>9515.4</c:v>
                 </c:pt>
-                <c:pt idx="9">
+                <c:pt idx="10">
                   <c:v>10541.7</c:v>
                 </c:pt>
-                <c:pt idx="10">
+                <c:pt idx="11">
                   <c:v>10055.6</c:v>
                 </c:pt>
-                <c:pt idx="11">
+                <c:pt idx="12">
                   <c:v>9388.9</c:v>
                 </c:pt>
               </c:numCache>
@@ -15082,7 +15088,7 @@
           <a:p>
             <a:fld id="{FB3ACE8D-9725-48ED-B85F-EE85A097F542}" type="datetimeFigureOut">
               <a:rPr lang="zh-CN" altLang="en-US" smtClean="0"/>
-              <a:t>2019/6/17</a:t>
+              <a:t>2019/8/12</a:t>
             </a:fld>
             <a:endParaRPr lang="zh-CN" altLang="en-US"/>
           </a:p>
@@ -18050,7 +18056,27 @@
                 <a:latin typeface="微软雅黑" panose="020B0503020204020204" pitchFamily="34" charset="-122"/>
                 <a:ea typeface="微软雅黑" panose="020B0503020204020204" pitchFamily="34" charset="-122"/>
               </a:rPr>
-              <a:t>开发等工作，做过大大小小四十多个项目、包括电商购物系统、物流系统、</a:t>
+              <a:t>开发等工作，做过大大小小</a:t>
+            </a:r>
+            <a:r>
+              <a:rPr lang="en-US" altLang="zh-CN" dirty="0">
+                <a:solidFill>
+                  <a:schemeClr val="bg1"/>
+                </a:solidFill>
+                <a:latin typeface="微软雅黑" panose="020B0503020204020204" pitchFamily="34" charset="-122"/>
+                <a:ea typeface="微软雅黑" panose="020B0503020204020204" pitchFamily="34" charset="-122"/>
+              </a:rPr>
+              <a:t>50+</a:t>
+            </a:r>
+            <a:r>
+              <a:rPr lang="zh-CN" altLang="en-US" dirty="0">
+                <a:solidFill>
+                  <a:schemeClr val="bg1"/>
+                </a:solidFill>
+                <a:latin typeface="微软雅黑" panose="020B0503020204020204" pitchFamily="34" charset="-122"/>
+                <a:ea typeface="微软雅黑" panose="020B0503020204020204" pitchFamily="34" charset="-122"/>
+              </a:rPr>
+              <a:t>个项目、包括电商购物系统、物流系统、</a:t>
             </a:r>
             <a:r>
               <a:rPr lang="en-US" altLang="zh-CN" dirty="0">
@@ -19621,7 +19647,7 @@
           <p:nvPr>
             <p:extLst>
               <p:ext uri="{D42A27DB-BD31-4B8C-83A1-F6EECF244321}">
-                <p14:modId xmlns:p14="http://schemas.microsoft.com/office/powerpoint/2010/main" val="2355040692"/>
+                <p14:modId xmlns:p14="http://schemas.microsoft.com/office/powerpoint/2010/main" val="3739874709"/>
               </p:ext>
             </p:extLst>
           </p:nvPr>
@@ -19756,7 +19782,7 @@
                   <a:schemeClr val="bg1"/>
                 </a:solidFill>
               </a:rPr>
-              <a:t>跟着老谢，一起努力</a:t>
+              <a:t>跟着老师，一起努力</a:t>
             </a:r>
           </a:p>
         </p:txBody>
